--- a/BookingForecast.pptx
+++ b/BookingForecast.pptx
@@ -1945,7 +1945,7 @@
           <a:graphicData uri="http://schemas.openxmlformats.org/presentationml/2006/ole">
             <mc:AlternateContent xmlns:mc="http://schemas.openxmlformats.org/markup-compatibility/2006">
               <mc:Choice xmlns:v="urn:schemas-microsoft-com:vml" Requires="v">
-                <p:oleObj spid="_x0000_s1045" name="Worksheet" showAsIcon="1" r:id="rId3" imgW="914400" imgH="771480" progId="Excel.Sheet.12">
+                <p:oleObj spid="_x0000_s1051" name="Worksheet" showAsIcon="1" r:id="rId3" imgW="914400" imgH="771480" progId="Excel.Sheet.12">
                   <p:embed/>
                 </p:oleObj>
               </mc:Choice>
@@ -2234,14 +2234,14 @@
             <p:ph idx="1"/>
             <p:extLst>
               <p:ext uri="{D42A27DB-BD31-4B8C-83A1-F6EECF244321}">
-                <p14:modId xmlns:p14="http://schemas.microsoft.com/office/powerpoint/2010/main" val="2168150856"/>
+                <p14:modId xmlns:p14="http://schemas.microsoft.com/office/powerpoint/2010/main" val="428736319"/>
               </p:ext>
             </p:extLst>
           </p:nvPr>
         </p:nvGraphicFramePr>
         <p:xfrm>
           <a:off x="260350" y="1011238"/>
-          <a:ext cx="11664950" cy="2966720"/>
+          <a:ext cx="11664950" cy="2225040"/>
         </p:xfrm>
         <a:graphic>
           <a:graphicData uri="http://schemas.openxmlformats.org/drawingml/2006/table">
@@ -2317,7 +2317,7 @@
                           <a:ea typeface="+mn-ea"/>
                           <a:cs typeface="+mn-cs"/>
                         </a:rPr>
-                        <a:t>19.625</a:t>
+                        <a:t>18.799</a:t>
                       </a:r>
                       <a:endParaRPr lang="en-US" dirty="0"/>
                     </a:p>
@@ -2355,7 +2355,7 @@
                           <a:ea typeface="+mn-ea"/>
                           <a:cs typeface="+mn-cs"/>
                         </a:rPr>
-                        <a:t>17.078</a:t>
+                        <a:t>19.793</a:t>
                       </a:r>
                       <a:endParaRPr lang="en-US" dirty="0"/>
                     </a:p>
@@ -2401,7 +2401,7 @@
                           <a:ea typeface="+mn-ea"/>
                           <a:cs typeface="+mn-cs"/>
                         </a:rPr>
-                        <a:t>16.982</a:t>
+                        <a:t>16.112</a:t>
                       </a:r>
                       <a:endParaRPr lang="en-US" dirty="0"/>
                     </a:p>
@@ -2477,51 +2477,19 @@
                     <a:bodyPr/>
                     <a:lstStyle/>
                     <a:p>
-                      <a:endParaRPr lang="en-US"/>
-                    </a:p>
-                  </a:txBody>
-                  <a:tcPr/>
-                </a:tc>
-              </a:tr>
-              <a:tr h="370840">
-                <a:tc>
-                  <a:txBody>
-                    <a:bodyPr/>
-                    <a:lstStyle/>
-                    <a:p>
-                      <a:endParaRPr lang="en-US"/>
-                    </a:p>
-                  </a:txBody>
-                  <a:tcPr/>
-                </a:tc>
-                <a:tc>
-                  <a:txBody>
-                    <a:bodyPr/>
-                    <a:lstStyle/>
-                    <a:p>
-                      <a:endParaRPr lang="en-US"/>
-                    </a:p>
-                  </a:txBody>
-                  <a:tcPr/>
-                </a:tc>
-              </a:tr>
-              <a:tr h="370840">
-                <a:tc>
-                  <a:txBody>
-                    <a:bodyPr/>
-                    <a:lstStyle/>
-                    <a:p>
-                      <a:endParaRPr lang="en-US"/>
-                    </a:p>
-                  </a:txBody>
-                  <a:tcPr/>
-                </a:tc>
-                <a:tc>
-                  <a:txBody>
-                    <a:bodyPr/>
-                    <a:lstStyle/>
-                    <a:p>
-                      <a:endParaRPr lang="en-US"/>
+                      <a:r>
+                        <a:rPr lang="en-US" sz="1800" b="0" i="0" u="none" strike="noStrike" kern="1200" dirty="0" smtClean="0">
+                          <a:solidFill>
+                            <a:schemeClr val="dk1"/>
+                          </a:solidFill>
+                          <a:effectLst/>
+                          <a:latin typeface="+mn-lt"/>
+                          <a:ea typeface="+mn-ea"/>
+                          <a:cs typeface="+mn-cs"/>
+                        </a:rPr>
+                        <a:t>17.967</a:t>
+                      </a:r>
+                      <a:endParaRPr lang="en-US" dirty="0"/>
                     </a:p>
                   </a:txBody>
                   <a:tcPr/>
@@ -2531,6 +2499,66 @@
           </a:graphicData>
         </a:graphic>
       </p:graphicFrame>
+      <p:sp>
+        <p:nvSpPr>
+          <p:cNvPr id="5" name="TextBox 4"/>
+          <p:cNvSpPr txBox="1"/>
+          <p:nvPr/>
+        </p:nvSpPr>
+        <p:spPr>
+          <a:xfrm>
+            <a:off x="979714" y="4715691"/>
+            <a:ext cx="7176645" cy="492443"/>
+          </a:xfrm>
+          <a:prstGeom prst="rect">
+            <a:avLst/>
+          </a:prstGeom>
+          <a:noFill/>
+        </p:spPr>
+        <p:txBody>
+          <a:bodyPr wrap="none" lIns="0" tIns="0" rIns="0" bIns="0" rtlCol="0">
+            <a:spAutoFit/>
+          </a:bodyPr>
+          <a:lstStyle/>
+          <a:p>
+            <a:r>
+              <a:rPr lang="en-US" sz="1600" b="1" dirty="0" smtClean="0"/>
+              <a:t>Note:</a:t>
+            </a:r>
+            <a:r>
+              <a:rPr lang="en-US" sz="1600" dirty="0" smtClean="0"/>
+              <a:t> </a:t>
+            </a:r>
+          </a:p>
+          <a:p>
+            <a:r>
+              <a:rPr lang="en-US" sz="1600" dirty="0" smtClean="0"/>
+              <a:t>Results above are for FlightID</a:t>
+            </a:r>
+            <a:r>
+              <a:rPr lang="en-US" sz="1600" dirty="0" smtClean="0"/>
+              <a:t>:697 from BO</a:t>
+            </a:r>
+            <a:r>
+              <a:rPr lang="en-US" sz="1600" dirty="0"/>
+              <a:t>M</a:t>
+            </a:r>
+            <a:r>
+              <a:rPr lang="en-US" sz="1600" dirty="0" smtClean="0"/>
+              <a:t> to DXB and cabin type: Econo</a:t>
+            </a:r>
+            <a:r>
+              <a:rPr lang="en-US" sz="1600" dirty="0"/>
+              <a:t>m</a:t>
+            </a:r>
+            <a:r>
+              <a:rPr lang="en-US" sz="1600" dirty="0" smtClean="0"/>
+              <a:t>y</a:t>
+            </a:r>
+            <a:endParaRPr lang="en-US" sz="1600" dirty="0"/>
+          </a:p>
+        </p:txBody>
+      </p:sp>
     </p:spTree>
     <p:extLst>
       <p:ext uri="{BB962C8B-B14F-4D97-AF65-F5344CB8AC3E}">
@@ -2593,7 +2621,7 @@
             <p:ph idx="1"/>
             <p:extLst>
               <p:ext uri="{D42A27DB-BD31-4B8C-83A1-F6EECF244321}">
-                <p14:modId xmlns:p14="http://schemas.microsoft.com/office/powerpoint/2010/main" val="668774954"/>
+                <p14:modId xmlns:p14="http://schemas.microsoft.com/office/powerpoint/2010/main" val="1170073600"/>
               </p:ext>
             </p:extLst>
           </p:nvPr>
@@ -2606,7 +2634,7 @@
           <a:graphicData uri="http://schemas.openxmlformats.org/presentationml/2006/ole">
             <mc:AlternateContent xmlns:mc="http://schemas.openxmlformats.org/markup-compatibility/2006">
               <mc:Choice xmlns:v="urn:schemas-microsoft-com:vml" Requires="v">
-                <p:oleObj spid="_x0000_s2054" name="Packager Shell Object" showAsIcon="1" r:id="rId3" imgW="914400" imgH="771480" progId="Package">
+                <p:oleObj spid="_x0000_s2068" name="Packager Shell Object" showAsIcon="1" r:id="rId3" imgW="914400" imgH="771480" progId="Package">
                   <p:embed/>
                 </p:oleObj>
               </mc:Choice>
@@ -2663,7 +2691,7 @@
           <a:graphicData uri="http://schemas.openxmlformats.org/presentationml/2006/ole">
             <mc:AlternateContent xmlns:mc="http://schemas.openxmlformats.org/markup-compatibility/2006">
               <mc:Choice xmlns:v="urn:schemas-microsoft-com:vml" Requires="v">
-                <p:oleObj spid="_x0000_s2055" name="Packager Shell Object" showAsIcon="1" r:id="rId5" imgW="914400" imgH="771480" progId="Package">
+                <p:oleObj spid="_x0000_s2069" name="Packager Shell Object" showAsIcon="1" r:id="rId5" imgW="914400" imgH="771480" progId="Package">
                   <p:embed/>
                 </p:oleObj>
               </mc:Choice>
